--- a/Documentation/Final Project Presentation/Achievatron Final Presentation.pptx
+++ b/Documentation/Final Project Presentation/Achievatron Final Presentation.pptx
@@ -122,7 +122,7 @@
   </p:defaultTextStyle>
   <p:extLst>
     <p:ext uri="{EFAFB233-063F-42B5-8137-9DF3F51BA10A}">
-      <p15:sldGuideLst xmlns:p15="http://schemas.microsoft.com/office/powerpoint/2012/main"/>
+      <p15:sldGuideLst xmlns:p15="http://schemas.microsoft.com/office/powerpoint/2012/main" xmlns=""/>
     </p:ext>
   </p:extLst>
 </p:presentation>
@@ -210,7 +210,7 @@
           <a:p>
             <a:fld id="{95706087-2602-4B22-A4EC-030C0A5FDAC2}" type="datetimeFigureOut">
               <a:rPr lang="en-GB" smtClean="0"/>
-              <a:t>30/11/2014</a:t>
+              <a:t>2014-11-30</a:t>
             </a:fld>
             <a:endParaRPr lang="en-GB"/>
           </a:p>
@@ -1376,7 +1376,7 @@
           <a:p>
             <a:fld id="{5E102BFF-5D54-4040-86D0-0AC40FACE680}" type="datetime1">
               <a:rPr lang="en-CA" smtClean="0"/>
-              <a:t>30/11/2014</a:t>
+              <a:t>2014-11-30</a:t>
             </a:fld>
             <a:endParaRPr lang="en-CA"/>
           </a:p>
@@ -2496,7 +2496,7 @@
           <a:p>
             <a:fld id="{6E583D8C-ECC7-4343-BBD2-F47EFF01F9B7}" type="datetime1">
               <a:rPr lang="en-CA" smtClean="0"/>
-              <a:t>30/11/2014</a:t>
+              <a:t>2014-11-30</a:t>
             </a:fld>
             <a:endParaRPr lang="en-CA"/>
           </a:p>
@@ -3507,7 +3507,7 @@
           <a:p>
             <a:fld id="{50EE80B1-332D-462D-8BF5-7F35DA422293}" type="datetime1">
               <a:rPr lang="en-CA" smtClean="0"/>
-              <a:t>30/11/2014</a:t>
+              <a:t>2014-11-30</a:t>
             </a:fld>
             <a:endParaRPr lang="en-CA"/>
           </a:p>
@@ -4677,7 +4677,7 @@
           <a:p>
             <a:fld id="{5DE0293A-F5FC-4BE3-BD4D-5616CBF61DDD}" type="datetime1">
               <a:rPr lang="en-CA" smtClean="0"/>
-              <a:t>30/11/2014</a:t>
+              <a:t>2014-11-30</a:t>
             </a:fld>
             <a:endParaRPr lang="en-CA"/>
           </a:p>
@@ -5738,7 +5738,7 @@
           <a:p>
             <a:fld id="{1BDFAF1B-6B2C-4FF7-B061-0E750AF3025B}" type="datetime1">
               <a:rPr lang="en-CA" smtClean="0"/>
-              <a:t>30/11/2014</a:t>
+              <a:t>2014-11-30</a:t>
             </a:fld>
             <a:endParaRPr lang="en-CA"/>
           </a:p>
@@ -6384,7 +6384,7 @@
           <a:p>
             <a:fld id="{4B1CB608-F928-44EA-93BF-166E153DF3A1}" type="datetime1">
               <a:rPr lang="en-CA" smtClean="0"/>
-              <a:t>30/11/2014</a:t>
+              <a:t>2014-11-30</a:t>
             </a:fld>
             <a:endParaRPr lang="en-CA"/>
           </a:p>
@@ -7231,7 +7231,7 @@
           <a:p>
             <a:fld id="{42CD339D-6261-45C7-9181-C9FEE000878E}" type="datetime1">
               <a:rPr lang="en-CA" smtClean="0"/>
-              <a:t>30/11/2014</a:t>
+              <a:t>2014-11-30</a:t>
             </a:fld>
             <a:endParaRPr lang="en-CA"/>
           </a:p>
@@ -7406,7 +7406,7 @@
           <a:p>
             <a:fld id="{4429A5A1-493C-4C13-B9A4-D6B988B2C8E9}" type="datetime1">
               <a:rPr lang="en-CA" smtClean="0"/>
-              <a:t>30/11/2014</a:t>
+              <a:t>2014-11-30</a:t>
             </a:fld>
             <a:endParaRPr lang="en-CA"/>
           </a:p>
@@ -8404,7 +8404,7 @@
           <a:p>
             <a:fld id="{B521CE9D-9817-4D72-BFCB-968A2B448CFF}" type="datetime1">
               <a:rPr lang="en-CA" smtClean="0"/>
-              <a:t>30/11/2014</a:t>
+              <a:t>2014-11-30</a:t>
             </a:fld>
             <a:endParaRPr lang="en-CA"/>
           </a:p>
@@ -8610,7 +8610,7 @@
           <a:p>
             <a:fld id="{E0F6AF97-A70A-433E-AFB5-80F73DBB22F3}" type="datetime1">
               <a:rPr lang="en-CA" smtClean="0"/>
-              <a:t>30/11/2014</a:t>
+              <a:t>2014-11-30</a:t>
             </a:fld>
             <a:endParaRPr lang="en-CA"/>
           </a:p>
@@ -9672,7 +9672,7 @@
           <a:p>
             <a:fld id="{F16FA2BE-2D06-43BF-A375-4F588395C5CE}" type="datetime1">
               <a:rPr lang="en-CA" smtClean="0"/>
-              <a:t>30/11/2014</a:t>
+              <a:t>2014-11-30</a:t>
             </a:fld>
             <a:endParaRPr lang="en-CA"/>
           </a:p>
@@ -9944,7 +9944,7 @@
           <a:p>
             <a:fld id="{8F20DEE7-75A2-4D74-ABED-A6B02B563EB5}" type="datetime1">
               <a:rPr lang="en-CA" smtClean="0"/>
-              <a:t>30/11/2014</a:t>
+              <a:t>2014-11-30</a:t>
             </a:fld>
             <a:endParaRPr lang="en-CA"/>
           </a:p>
@@ -10326,7 +10326,7 @@
           <a:p>
             <a:fld id="{0A17A914-EFA1-4CA2-8474-E8FFB784A706}" type="datetime1">
               <a:rPr lang="en-CA" smtClean="0"/>
-              <a:t>30/11/2014</a:t>
+              <a:t>2014-11-30</a:t>
             </a:fld>
             <a:endParaRPr lang="en-CA"/>
           </a:p>
@@ -10444,7 +10444,7 @@
           <a:p>
             <a:fld id="{DA05CD39-36C0-41E4-8584-C2C8C81A03FC}" type="datetime1">
               <a:rPr lang="en-CA" smtClean="0"/>
-              <a:t>30/11/2014</a:t>
+              <a:t>2014-11-30</a:t>
             </a:fld>
             <a:endParaRPr lang="en-CA"/>
           </a:p>
@@ -10539,7 +10539,7 @@
           <a:p>
             <a:fld id="{FF2211BD-D5D1-43D8-8DAD-1BB32E435A4E}" type="datetime1">
               <a:rPr lang="en-CA" smtClean="0"/>
-              <a:t>30/11/2014</a:t>
+              <a:t>2014-11-30</a:t>
             </a:fld>
             <a:endParaRPr lang="en-CA"/>
           </a:p>
@@ -11648,7 +11648,7 @@
           <a:p>
             <a:fld id="{751CA6FA-6942-469B-8951-D7BE24376284}" type="datetime1">
               <a:rPr lang="en-CA" smtClean="0"/>
-              <a:t>30/11/2014</a:t>
+              <a:t>2014-11-30</a:t>
             </a:fld>
             <a:endParaRPr lang="en-CA"/>
           </a:p>
@@ -12781,7 +12781,7 @@
           <a:p>
             <a:fld id="{F978D719-40ED-4522-9ADD-528577F9E972}" type="datetime1">
               <a:rPr lang="en-CA" smtClean="0"/>
-              <a:t>30/11/2014</a:t>
+              <a:t>2014-11-30</a:t>
             </a:fld>
             <a:endParaRPr lang="en-CA"/>
           </a:p>
@@ -13809,7 +13809,7 @@
           <a:p>
             <a:fld id="{4B0AEF42-D372-413F-9B2E-F758912559BA}" type="datetime1">
               <a:rPr lang="en-CA" smtClean="0"/>
-              <a:t>30/11/2014</a:t>
+              <a:t>2014-11-30</a:t>
             </a:fld>
             <a:endParaRPr lang="en-CA"/>
           </a:p>
@@ -14479,7 +14479,7 @@
   <p:timing>
     <p:tnLst>
       <p:par>
-        <p:cTn id="1" dur="indefinite" restart="never" nodeType="tmRoot"/>
+        <p:cTn xmlns:p14="http://schemas.microsoft.com/office/powerpoint/2010/main" id="1" dur="indefinite" restart="never" nodeType="tmRoot"/>
       </p:par>
     </p:tnLst>
   </p:timing>
@@ -14709,7 +14709,7 @@
   <p:timing>
     <p:tnLst>
       <p:par>
-        <p:cTn id="1" dur="indefinite" restart="never" nodeType="tmRoot"/>
+        <p:cTn xmlns:p14="http://schemas.microsoft.com/office/powerpoint/2010/main" id="1" dur="indefinite" restart="never" nodeType="tmRoot"/>
       </p:par>
     </p:tnLst>
   </p:timing>
@@ -14779,13 +14779,18 @@
           <a:p>
             <a:pPr lvl="1"/>
             <a:r>
-              <a:rPr lang="en-CA" dirty="0"/>
-              <a:t>a</a:t>
-            </a:r>
-            <a:r>
               <a:rPr lang="en-CA" dirty="0" smtClean="0"/>
-              <a:t>nd getting this stuff right at the beginning is all important</a:t>
-            </a:r>
+              <a:t>Getting </a:t>
+            </a:r>
+            <a:r>
+              <a:rPr lang="en-CA" dirty="0" smtClean="0"/>
+              <a:t>this stuff right at the beginning is all </a:t>
+            </a:r>
+            <a:r>
+              <a:rPr lang="en-CA" dirty="0" smtClean="0"/>
+              <a:t>important</a:t>
+            </a:r>
+            <a:endParaRPr lang="en-CA" dirty="0" smtClean="0"/>
           </a:p>
           <a:p>
             <a:pPr lvl="1"/>
@@ -14841,7 +14846,7 @@
   <p:timing>
     <p:tnLst>
       <p:par>
-        <p:cTn id="1" dur="indefinite" restart="never" nodeType="tmRoot"/>
+        <p:cTn xmlns:p14="http://schemas.microsoft.com/office/powerpoint/2010/main" id="1" dur="indefinite" restart="never" nodeType="tmRoot"/>
       </p:par>
     </p:tnLst>
   </p:timing>
@@ -14987,7 +14992,7 @@
   <p:timing>
     <p:tnLst>
       <p:par>
-        <p:cTn id="1" dur="indefinite" restart="never" nodeType="tmRoot"/>
+        <p:cTn xmlns:p14="http://schemas.microsoft.com/office/powerpoint/2010/main" id="1" dur="indefinite" restart="never" nodeType="tmRoot"/>
       </p:par>
     </p:tnLst>
   </p:timing>
@@ -15028,7 +15033,7 @@
           <a:p>
             <a:r>
               <a:rPr lang="en-CA" dirty="0" smtClean="0"/>
-              <a:t>Project plan</a:t>
+              <a:t>Conclusion</a:t>
             </a:r>
             <a:endParaRPr lang="en-CA" dirty="0"/>
           </a:p>
@@ -15046,10 +15051,49 @@
         </p:nvSpPr>
         <p:spPr/>
         <p:txBody>
-          <a:bodyPr/>
+          <a:bodyPr>
+            <a:normAutofit fontScale="77500" lnSpcReduction="20000"/>
+          </a:bodyPr>
           <a:lstStyle/>
           <a:p>
-            <a:endParaRPr lang="en-CA"/>
+            <a:r>
+              <a:rPr lang="en-CA" dirty="0"/>
+              <a:t>We set out to learn how to build a software product that could be used outside of the classroom and we succeeded. </a:t>
+            </a:r>
+          </a:p>
+          <a:p>
+            <a:r>
+              <a:rPr lang="en-CA" dirty="0" smtClean="0"/>
+              <a:t>After all of the h</a:t>
+            </a:r>
+            <a:r>
+              <a:rPr lang="en-CA" dirty="0" smtClean="0"/>
+              <a:t>ours spent staring at computer screens, joking with each other in group-chat, and all of the endless collaborating we have managed to fit all of the building blocks of code into a working project.</a:t>
+            </a:r>
+          </a:p>
+          <a:p>
+            <a:r>
+              <a:rPr lang="en-CA" dirty="0" smtClean="0"/>
+              <a:t>Our plan to create an information database and scheduling application, specifically tailored to a producer working with volunteers, has come together.</a:t>
+            </a:r>
+          </a:p>
+          <a:p>
+            <a:r>
+              <a:rPr lang="en-CA" dirty="0" smtClean="0"/>
+              <a:t>Sometimes we got things right the first time sometimes the tenth. More often than not we learned by getting it wrong (hello cluttered main menu, hello model-view-controller)</a:t>
+            </a:r>
+          </a:p>
+          <a:p>
+            <a:r>
+              <a:rPr lang="en-CA" dirty="0" smtClean="0"/>
+              <a:t>By stumbling around in the dark on this project and trying to do things our own way we invariably learned why the standard techniques exist and why it is much better to design first code second. We learned to appreciate how much easier following a design pattern made things.</a:t>
+            </a:r>
+          </a:p>
+          <a:p>
+            <a:r>
+              <a:rPr lang="en-CA" dirty="0" smtClean="0"/>
+              <a:t>The next time we attempt to build a piece of software we will be better prepared because of the skills we learned together in this course.</a:t>
+            </a:r>
           </a:p>
         </p:txBody>
       </p:sp>
@@ -15089,7 +15133,7 @@
   <p:timing>
     <p:tnLst>
       <p:par>
-        <p:cTn id="1" dur="indefinite" restart="never" nodeType="tmRoot"/>
+        <p:cTn xmlns:p14="http://schemas.microsoft.com/office/powerpoint/2010/main" id="1" dur="indefinite" restart="never" nodeType="tmRoot"/>
       </p:par>
     </p:tnLst>
   </p:timing>
@@ -15199,7 +15243,7 @@
   <p:timing>
     <p:tnLst>
       <p:par>
-        <p:cTn id="1" dur="indefinite" restart="never" nodeType="tmRoot"/>
+        <p:cTn xmlns:p14="http://schemas.microsoft.com/office/powerpoint/2010/main" id="1" dur="indefinite" restart="never" nodeType="tmRoot"/>
       </p:par>
     </p:tnLst>
   </p:timing>
@@ -15331,7 +15375,7 @@
   <p:timing>
     <p:tnLst>
       <p:par>
-        <p:cTn id="1" dur="indefinite" restart="never" nodeType="tmRoot"/>
+        <p:cTn xmlns:p14="http://schemas.microsoft.com/office/powerpoint/2010/main" id="1" dur="indefinite" restart="never" nodeType="tmRoot"/>
       </p:par>
     </p:tnLst>
   </p:timing>
@@ -15505,7 +15549,7 @@
   <p:timing>
     <p:tnLst>
       <p:par>
-        <p:cTn id="1" dur="indefinite" restart="never" nodeType="tmRoot"/>
+        <p:cTn xmlns:p14="http://schemas.microsoft.com/office/powerpoint/2010/main" id="1" dur="indefinite" restart="never" nodeType="tmRoot"/>
       </p:par>
     </p:tnLst>
   </p:timing>
@@ -16017,7 +16061,7 @@
   <p:timing>
     <p:tnLst>
       <p:par>
-        <p:cTn id="1" dur="indefinite" restart="never" nodeType="tmRoot"/>
+        <p:cTn xmlns:p14="http://schemas.microsoft.com/office/powerpoint/2010/main" id="1" dur="indefinite" restart="never" nodeType="tmRoot"/>
       </p:par>
     </p:tnLst>
   </p:timing>
@@ -16158,7 +16202,7 @@
   <p:timing>
     <p:tnLst>
       <p:par>
-        <p:cTn id="1" dur="indefinite" restart="never" nodeType="tmRoot"/>
+        <p:cTn xmlns:p14="http://schemas.microsoft.com/office/powerpoint/2010/main" id="1" dur="indefinite" restart="never" nodeType="tmRoot"/>
       </p:par>
     </p:tnLst>
   </p:timing>
@@ -16364,7 +16408,7 @@
   <p:timing>
     <p:tnLst>
       <p:par>
-        <p:cTn id="1" dur="indefinite" restart="never" nodeType="tmRoot"/>
+        <p:cTn xmlns:p14="http://schemas.microsoft.com/office/powerpoint/2010/main" id="1" dur="indefinite" restart="never" nodeType="tmRoot"/>
       </p:par>
     </p:tnLst>
   </p:timing>
@@ -16414,7 +16458,7 @@
     </a:clrScheme>
     <a:fontScheme name="Ion Boardroom">
       <a:majorFont>
-        <a:latin typeface="Century Gothic" panose="020B0502020202020204"/>
+        <a:latin typeface="Century Gothic"/>
         <a:ea typeface=""/>
         <a:cs typeface=""/>
         <a:font script="Jpan" typeface="メイリオ"/>
@@ -16449,7 +16493,7 @@
         <a:font script="Geor" typeface="Sylfaen"/>
       </a:majorFont>
       <a:minorFont>
-        <a:latin typeface="Century Gothic" panose="020B0502020202020204"/>
+        <a:latin typeface="Century Gothic"/>
         <a:ea typeface=""/>
         <a:cs typeface=""/>
         <a:font script="Jpan" typeface="メイリオ"/>
@@ -16630,7 +16674,7 @@
   <a:extraClrSchemeLst/>
   <a:extLst>
     <a:ext uri="{05A4C25C-085E-4340-85A3-A5531E510DB2}">
-      <thm15:themeFamily xmlns:thm15="http://schemas.microsoft.com/office/thememl/2012/main" name="Ion Boardroom" id="{FC33163D-4339-46B1-8EED-24C834239D99}" vid="{A3AB87EF-B655-4FFF-8D05-F333AD7F2789}"/>
+      <thm15:themeFamily xmlns:thm15="http://schemas.microsoft.com/office/thememl/2012/main" xmlns="" name="Ion Boardroom" id="{FC33163D-4339-46B1-8EED-24C834239D99}" vid="{A3AB87EF-B655-4FFF-8D05-F333AD7F2789}"/>
     </a:ext>
   </a:extLst>
 </a:theme>
@@ -16679,7 +16723,7 @@
     </a:clrScheme>
     <a:fontScheme name="Office">
       <a:majorFont>
-        <a:latin typeface="Calibri Light" panose="020F0302020204030204"/>
+        <a:latin typeface="Calibri Light"/>
         <a:ea typeface=""/>
         <a:cs typeface=""/>
         <a:font script="Jpan" typeface="ＭＳ Ｐゴシック"/>
@@ -16714,7 +16758,7 @@
         <a:font script="Geor" typeface="Sylfaen"/>
       </a:majorFont>
       <a:minorFont>
-        <a:latin typeface="Calibri" panose="020F0502020204030204"/>
+        <a:latin typeface="Calibri"/>
         <a:ea typeface=""/>
         <a:cs typeface=""/>
         <a:font script="Jpan" typeface="ＭＳ Ｐゴシック"/>
@@ -16891,7 +16935,7 @@
   <a:extraClrSchemeLst/>
   <a:extLst>
     <a:ext uri="{05A4C25C-085E-4340-85A3-A5531E510DB2}">
-      <thm15:themeFamily xmlns:thm15="http://schemas.microsoft.com/office/thememl/2012/main" name="Office Theme" id="{62F939B6-93AF-4DB8-9C6B-D6C7DFDC589F}" vid="{4A3C46E8-61CC-4603-A589-7422A47A8E4A}"/>
+      <thm15:themeFamily xmlns:thm15="http://schemas.microsoft.com/office/thememl/2012/main" xmlns="" name="Office Theme" id="{62F939B6-93AF-4DB8-9C6B-D6C7DFDC589F}" vid="{4A3C46E8-61CC-4603-A589-7422A47A8E4A}"/>
     </a:ext>
   </a:extLst>
 </a:theme>
